--- a/docs/tech-test-architecture.pptx
+++ b/docs/tech-test-architecture.pptx
@@ -4552,14 +4552,15 @@
           </p:cNvPr>
           <p:cNvCxnSpPr>
             <a:cxnSpLocks/>
+            <a:stCxn id="22" idx="2"/>
             <a:endCxn id="26" idx="0"/>
           </p:cNvCxnSpPr>
           <p:nvPr/>
         </p:nvCxnSpPr>
         <p:spPr>
           <a:xfrm>
-            <a:off x="8207482" y="3953529"/>
-            <a:ext cx="2655" cy="2034005"/>
+            <a:off x="8207482" y="4097186"/>
+            <a:ext cx="2655" cy="1890348"/>
           </a:xfrm>
           <a:prstGeom prst="straightConnector1">
             <a:avLst/>
